--- a/ppt 16-9/0758.义人的经历.pptx
+++ b/ppt 16-9/0758.义人的经历.pptx
@@ -129,7 +129,7 @@
           <p:cNvPr id="2" name="标题 1">
             <a:extLst>
               <a:ext uri="{FF2B5EF4-FFF2-40B4-BE49-F238E27FC236}">
-                <a16:creationId xmlns:a16="http://schemas.microsoft.com/office/drawing/2014/main" id="{C4925C72-ED49-5F85-A417-B59F5D108864}"/>
+                <a16:creationId xmlns:a16="http://schemas.microsoft.com/office/drawing/2014/main" id="{6C9C4041-FDAD-1FE2-5185-118CE0D11F78}"/>
               </a:ext>
             </a:extLst>
           </p:cNvPr>
@@ -166,7 +166,7 @@
           <p:cNvPr id="3" name="副标题 2">
             <a:extLst>
               <a:ext uri="{FF2B5EF4-FFF2-40B4-BE49-F238E27FC236}">
-                <a16:creationId xmlns:a16="http://schemas.microsoft.com/office/drawing/2014/main" id="{66139B5F-F843-7711-6DD5-0FC1851AF28D}"/>
+                <a16:creationId xmlns:a16="http://schemas.microsoft.com/office/drawing/2014/main" id="{5EB12875-3466-E29B-00D8-732446EF9FF5}"/>
               </a:ext>
             </a:extLst>
           </p:cNvPr>
@@ -236,7 +236,7 @@
           <p:cNvPr id="4" name="日期占位符 3">
             <a:extLst>
               <a:ext uri="{FF2B5EF4-FFF2-40B4-BE49-F238E27FC236}">
-                <a16:creationId xmlns:a16="http://schemas.microsoft.com/office/drawing/2014/main" id="{C0F69383-D18D-BDE0-C58D-4660A3E3A7FE}"/>
+                <a16:creationId xmlns:a16="http://schemas.microsoft.com/office/drawing/2014/main" id="{20BC863E-2EC8-2AF0-5446-1C551B0D91E5}"/>
               </a:ext>
             </a:extLst>
           </p:cNvPr>
@@ -252,7 +252,7 @@
           <a:bodyPr/>
           <a:lstStyle/>
           <a:p>
-            <a:fld id="{A4A77D94-5386-4CDF-A616-838205A2B9A9}" type="datetimeFigureOut">
+            <a:fld id="{DD931416-4999-44D6-8F0D-5DB3123A0DD2}" type="datetimeFigureOut">
               <a:rPr lang="zh-CN" altLang="en-US" smtClean="0"/>
               <a:t>2024/3/10</a:t>
             </a:fld>
@@ -265,7 +265,7 @@
           <p:cNvPr id="5" name="页脚占位符 4">
             <a:extLst>
               <a:ext uri="{FF2B5EF4-FFF2-40B4-BE49-F238E27FC236}">
-                <a16:creationId xmlns:a16="http://schemas.microsoft.com/office/drawing/2014/main" id="{33E75A30-FEC4-9597-35A1-FA3C8625131E}"/>
+                <a16:creationId xmlns:a16="http://schemas.microsoft.com/office/drawing/2014/main" id="{10F97982-8699-97B5-16CE-C1E537811317}"/>
               </a:ext>
             </a:extLst>
           </p:cNvPr>
@@ -290,7 +290,7 @@
           <p:cNvPr id="6" name="灯片编号占位符 5">
             <a:extLst>
               <a:ext uri="{FF2B5EF4-FFF2-40B4-BE49-F238E27FC236}">
-                <a16:creationId xmlns:a16="http://schemas.microsoft.com/office/drawing/2014/main" id="{419D45F4-C135-D19F-E40D-C6B5E16C3648}"/>
+                <a16:creationId xmlns:a16="http://schemas.microsoft.com/office/drawing/2014/main" id="{D78B2789-C299-5EF9-B388-9E681BF5C66A}"/>
               </a:ext>
             </a:extLst>
           </p:cNvPr>
@@ -306,7 +306,7 @@
           <a:bodyPr/>
           <a:lstStyle/>
           <a:p>
-            <a:fld id="{26F258BC-98A6-4A15-ACBE-4E47A13D5DFE}" type="slidenum">
+            <a:fld id="{DADD82BB-3DE9-4C52-A850-D32AEAE54F02}" type="slidenum">
               <a:rPr lang="zh-CN" altLang="en-US" smtClean="0"/>
               <a:t>‹#›</a:t>
             </a:fld>
@@ -317,7 +317,7 @@
     </p:spTree>
     <p:extLst>
       <p:ext uri="{BB962C8B-B14F-4D97-AF65-F5344CB8AC3E}">
-        <p14:creationId xmlns:p14="http://schemas.microsoft.com/office/powerpoint/2010/main" val="723371367"/>
+        <p14:creationId xmlns:p14="http://schemas.microsoft.com/office/powerpoint/2010/main" val="848561845"/>
       </p:ext>
     </p:extLst>
   </p:cSld>
@@ -349,7 +349,7 @@
           <p:cNvPr id="2" name="标题 1">
             <a:extLst>
               <a:ext uri="{FF2B5EF4-FFF2-40B4-BE49-F238E27FC236}">
-                <a16:creationId xmlns:a16="http://schemas.microsoft.com/office/drawing/2014/main" id="{54E3A242-D69C-0397-FF4C-3D5EA7FDA278}"/>
+                <a16:creationId xmlns:a16="http://schemas.microsoft.com/office/drawing/2014/main" id="{0CE3F70A-F0F4-4E9A-1654-C9CBA2F3AB39}"/>
               </a:ext>
             </a:extLst>
           </p:cNvPr>
@@ -377,7 +377,7 @@
           <p:cNvPr id="3" name="竖排文字占位符 2">
             <a:extLst>
               <a:ext uri="{FF2B5EF4-FFF2-40B4-BE49-F238E27FC236}">
-                <a16:creationId xmlns:a16="http://schemas.microsoft.com/office/drawing/2014/main" id="{D3291956-2697-FC34-C68B-768EB9100A4E}"/>
+                <a16:creationId xmlns:a16="http://schemas.microsoft.com/office/drawing/2014/main" id="{01745093-4EDD-4439-06CD-45B6787E240F}"/>
               </a:ext>
             </a:extLst>
           </p:cNvPr>
@@ -434,7 +434,7 @@
           <p:cNvPr id="4" name="日期占位符 3">
             <a:extLst>
               <a:ext uri="{FF2B5EF4-FFF2-40B4-BE49-F238E27FC236}">
-                <a16:creationId xmlns:a16="http://schemas.microsoft.com/office/drawing/2014/main" id="{A55EF70C-9468-964D-1FF7-FDDA75D7C8A6}"/>
+                <a16:creationId xmlns:a16="http://schemas.microsoft.com/office/drawing/2014/main" id="{9A402A5F-C529-E016-8516-F842AB114CD6}"/>
               </a:ext>
             </a:extLst>
           </p:cNvPr>
@@ -450,7 +450,7 @@
           <a:bodyPr/>
           <a:lstStyle/>
           <a:p>
-            <a:fld id="{A4A77D94-5386-4CDF-A616-838205A2B9A9}" type="datetimeFigureOut">
+            <a:fld id="{DD931416-4999-44D6-8F0D-5DB3123A0DD2}" type="datetimeFigureOut">
               <a:rPr lang="zh-CN" altLang="en-US" smtClean="0"/>
               <a:t>2024/3/10</a:t>
             </a:fld>
@@ -463,7 +463,7 @@
           <p:cNvPr id="5" name="页脚占位符 4">
             <a:extLst>
               <a:ext uri="{FF2B5EF4-FFF2-40B4-BE49-F238E27FC236}">
-                <a16:creationId xmlns:a16="http://schemas.microsoft.com/office/drawing/2014/main" id="{3FC1B639-45AF-A7C2-306B-DD51F738269E}"/>
+                <a16:creationId xmlns:a16="http://schemas.microsoft.com/office/drawing/2014/main" id="{7DF7BC31-0A63-E282-1B05-F9DB9D512AC3}"/>
               </a:ext>
             </a:extLst>
           </p:cNvPr>
@@ -488,7 +488,7 @@
           <p:cNvPr id="6" name="灯片编号占位符 5">
             <a:extLst>
               <a:ext uri="{FF2B5EF4-FFF2-40B4-BE49-F238E27FC236}">
-                <a16:creationId xmlns:a16="http://schemas.microsoft.com/office/drawing/2014/main" id="{5A810BA3-03B9-DEFE-10C5-AB90E2665B99}"/>
+                <a16:creationId xmlns:a16="http://schemas.microsoft.com/office/drawing/2014/main" id="{C7822B88-8965-2E30-62A9-2188737E506A}"/>
               </a:ext>
             </a:extLst>
           </p:cNvPr>
@@ -504,7 +504,7 @@
           <a:bodyPr/>
           <a:lstStyle/>
           <a:p>
-            <a:fld id="{26F258BC-98A6-4A15-ACBE-4E47A13D5DFE}" type="slidenum">
+            <a:fld id="{DADD82BB-3DE9-4C52-A850-D32AEAE54F02}" type="slidenum">
               <a:rPr lang="zh-CN" altLang="en-US" smtClean="0"/>
               <a:t>‹#›</a:t>
             </a:fld>
@@ -515,7 +515,7 @@
     </p:spTree>
     <p:extLst>
       <p:ext uri="{BB962C8B-B14F-4D97-AF65-F5344CB8AC3E}">
-        <p14:creationId xmlns:p14="http://schemas.microsoft.com/office/powerpoint/2010/main" val="9480828"/>
+        <p14:creationId xmlns:p14="http://schemas.microsoft.com/office/powerpoint/2010/main" val="586464868"/>
       </p:ext>
     </p:extLst>
   </p:cSld>
@@ -547,7 +547,7 @@
           <p:cNvPr id="2" name="竖排标题 1">
             <a:extLst>
               <a:ext uri="{FF2B5EF4-FFF2-40B4-BE49-F238E27FC236}">
-                <a16:creationId xmlns:a16="http://schemas.microsoft.com/office/drawing/2014/main" id="{4A426067-F783-CD21-1BC6-6AA06BD5616A}"/>
+                <a16:creationId xmlns:a16="http://schemas.microsoft.com/office/drawing/2014/main" id="{535AFAEB-049E-627B-0BAD-3972BB364B0E}"/>
               </a:ext>
             </a:extLst>
           </p:cNvPr>
@@ -580,7 +580,7 @@
           <p:cNvPr id="3" name="竖排文字占位符 2">
             <a:extLst>
               <a:ext uri="{FF2B5EF4-FFF2-40B4-BE49-F238E27FC236}">
-                <a16:creationId xmlns:a16="http://schemas.microsoft.com/office/drawing/2014/main" id="{5BE35A0B-5097-563D-CF5E-603A95E95194}"/>
+                <a16:creationId xmlns:a16="http://schemas.microsoft.com/office/drawing/2014/main" id="{DDFCF61D-39AE-9ECB-7470-82C57FDEDAF2}"/>
               </a:ext>
             </a:extLst>
           </p:cNvPr>
@@ -642,7 +642,7 @@
           <p:cNvPr id="4" name="日期占位符 3">
             <a:extLst>
               <a:ext uri="{FF2B5EF4-FFF2-40B4-BE49-F238E27FC236}">
-                <a16:creationId xmlns:a16="http://schemas.microsoft.com/office/drawing/2014/main" id="{4A8394B0-EB19-73A8-EDDD-40EF2D9470BC}"/>
+                <a16:creationId xmlns:a16="http://schemas.microsoft.com/office/drawing/2014/main" id="{18874CCF-D46B-F342-DB8C-7BF224B18AAB}"/>
               </a:ext>
             </a:extLst>
           </p:cNvPr>
@@ -658,7 +658,7 @@
           <a:bodyPr/>
           <a:lstStyle/>
           <a:p>
-            <a:fld id="{A4A77D94-5386-4CDF-A616-838205A2B9A9}" type="datetimeFigureOut">
+            <a:fld id="{DD931416-4999-44D6-8F0D-5DB3123A0DD2}" type="datetimeFigureOut">
               <a:rPr lang="zh-CN" altLang="en-US" smtClean="0"/>
               <a:t>2024/3/10</a:t>
             </a:fld>
@@ -671,7 +671,7 @@
           <p:cNvPr id="5" name="页脚占位符 4">
             <a:extLst>
               <a:ext uri="{FF2B5EF4-FFF2-40B4-BE49-F238E27FC236}">
-                <a16:creationId xmlns:a16="http://schemas.microsoft.com/office/drawing/2014/main" id="{68C29FEF-E222-F746-5DD2-C7B36F342AAE}"/>
+                <a16:creationId xmlns:a16="http://schemas.microsoft.com/office/drawing/2014/main" id="{7E406113-3B11-F993-A243-87CACFC42EC6}"/>
               </a:ext>
             </a:extLst>
           </p:cNvPr>
@@ -696,7 +696,7 @@
           <p:cNvPr id="6" name="灯片编号占位符 5">
             <a:extLst>
               <a:ext uri="{FF2B5EF4-FFF2-40B4-BE49-F238E27FC236}">
-                <a16:creationId xmlns:a16="http://schemas.microsoft.com/office/drawing/2014/main" id="{EA9E0684-00C7-798A-2A2C-8D357D19E8FD}"/>
+                <a16:creationId xmlns:a16="http://schemas.microsoft.com/office/drawing/2014/main" id="{C304FF0B-4106-CED6-5E51-5A7A215CCF94}"/>
               </a:ext>
             </a:extLst>
           </p:cNvPr>
@@ -712,7 +712,7 @@
           <a:bodyPr/>
           <a:lstStyle/>
           <a:p>
-            <a:fld id="{26F258BC-98A6-4A15-ACBE-4E47A13D5DFE}" type="slidenum">
+            <a:fld id="{DADD82BB-3DE9-4C52-A850-D32AEAE54F02}" type="slidenum">
               <a:rPr lang="zh-CN" altLang="en-US" smtClean="0"/>
               <a:t>‹#›</a:t>
             </a:fld>
@@ -723,7 +723,7 @@
     </p:spTree>
     <p:extLst>
       <p:ext uri="{BB962C8B-B14F-4D97-AF65-F5344CB8AC3E}">
-        <p14:creationId xmlns:p14="http://schemas.microsoft.com/office/powerpoint/2010/main" val="1660368141"/>
+        <p14:creationId xmlns:p14="http://schemas.microsoft.com/office/powerpoint/2010/main" val="1490277469"/>
       </p:ext>
     </p:extLst>
   </p:cSld>
@@ -755,7 +755,7 @@
           <p:cNvPr id="2" name="标题 1">
             <a:extLst>
               <a:ext uri="{FF2B5EF4-FFF2-40B4-BE49-F238E27FC236}">
-                <a16:creationId xmlns:a16="http://schemas.microsoft.com/office/drawing/2014/main" id="{A8C61E1F-7B73-E158-FB26-F928E731DB39}"/>
+                <a16:creationId xmlns:a16="http://schemas.microsoft.com/office/drawing/2014/main" id="{08702959-E057-1035-B2EE-56BB33D7AB18}"/>
               </a:ext>
             </a:extLst>
           </p:cNvPr>
@@ -783,7 +783,7 @@
           <p:cNvPr id="3" name="内容占位符 2">
             <a:extLst>
               <a:ext uri="{FF2B5EF4-FFF2-40B4-BE49-F238E27FC236}">
-                <a16:creationId xmlns:a16="http://schemas.microsoft.com/office/drawing/2014/main" id="{2AB2723C-D8F0-D9E1-110E-536EE0CD1787}"/>
+                <a16:creationId xmlns:a16="http://schemas.microsoft.com/office/drawing/2014/main" id="{6CF07C54-3AF3-0B69-95B9-7D0DACADBCF6}"/>
               </a:ext>
             </a:extLst>
           </p:cNvPr>
@@ -840,7 +840,7 @@
           <p:cNvPr id="4" name="日期占位符 3">
             <a:extLst>
               <a:ext uri="{FF2B5EF4-FFF2-40B4-BE49-F238E27FC236}">
-                <a16:creationId xmlns:a16="http://schemas.microsoft.com/office/drawing/2014/main" id="{B018D9EB-A86C-FF68-DF12-40ACDE82F6E1}"/>
+                <a16:creationId xmlns:a16="http://schemas.microsoft.com/office/drawing/2014/main" id="{F258F308-A905-8DC9-CC9D-55DC2ACB50DE}"/>
               </a:ext>
             </a:extLst>
           </p:cNvPr>
@@ -856,7 +856,7 @@
           <a:bodyPr/>
           <a:lstStyle/>
           <a:p>
-            <a:fld id="{A4A77D94-5386-4CDF-A616-838205A2B9A9}" type="datetimeFigureOut">
+            <a:fld id="{DD931416-4999-44D6-8F0D-5DB3123A0DD2}" type="datetimeFigureOut">
               <a:rPr lang="zh-CN" altLang="en-US" smtClean="0"/>
               <a:t>2024/3/10</a:t>
             </a:fld>
@@ -869,7 +869,7 @@
           <p:cNvPr id="5" name="页脚占位符 4">
             <a:extLst>
               <a:ext uri="{FF2B5EF4-FFF2-40B4-BE49-F238E27FC236}">
-                <a16:creationId xmlns:a16="http://schemas.microsoft.com/office/drawing/2014/main" id="{917960CC-D53B-910B-6831-7AA9AE6F9A21}"/>
+                <a16:creationId xmlns:a16="http://schemas.microsoft.com/office/drawing/2014/main" id="{36301774-C24A-D095-9801-0E3B964487FD}"/>
               </a:ext>
             </a:extLst>
           </p:cNvPr>
@@ -894,7 +894,7 @@
           <p:cNvPr id="6" name="灯片编号占位符 5">
             <a:extLst>
               <a:ext uri="{FF2B5EF4-FFF2-40B4-BE49-F238E27FC236}">
-                <a16:creationId xmlns:a16="http://schemas.microsoft.com/office/drawing/2014/main" id="{089C38F5-F8BE-119E-D203-DE983178E8F7}"/>
+                <a16:creationId xmlns:a16="http://schemas.microsoft.com/office/drawing/2014/main" id="{901FF25E-583E-6D93-5EB3-A60279AA15B0}"/>
               </a:ext>
             </a:extLst>
           </p:cNvPr>
@@ -910,7 +910,7 @@
           <a:bodyPr/>
           <a:lstStyle/>
           <a:p>
-            <a:fld id="{26F258BC-98A6-4A15-ACBE-4E47A13D5DFE}" type="slidenum">
+            <a:fld id="{DADD82BB-3DE9-4C52-A850-D32AEAE54F02}" type="slidenum">
               <a:rPr lang="zh-CN" altLang="en-US" smtClean="0"/>
               <a:t>‹#›</a:t>
             </a:fld>
@@ -921,7 +921,7 @@
     </p:spTree>
     <p:extLst>
       <p:ext uri="{BB962C8B-B14F-4D97-AF65-F5344CB8AC3E}">
-        <p14:creationId xmlns:p14="http://schemas.microsoft.com/office/powerpoint/2010/main" val="2966515029"/>
+        <p14:creationId xmlns:p14="http://schemas.microsoft.com/office/powerpoint/2010/main" val="1387325490"/>
       </p:ext>
     </p:extLst>
   </p:cSld>
@@ -953,7 +953,7 @@
           <p:cNvPr id="2" name="标题 1">
             <a:extLst>
               <a:ext uri="{FF2B5EF4-FFF2-40B4-BE49-F238E27FC236}">
-                <a16:creationId xmlns:a16="http://schemas.microsoft.com/office/drawing/2014/main" id="{A887415C-2525-D6D5-88EB-0AAED6672027}"/>
+                <a16:creationId xmlns:a16="http://schemas.microsoft.com/office/drawing/2014/main" id="{C1195231-6832-4144-F59C-00C13E6BA2BD}"/>
               </a:ext>
             </a:extLst>
           </p:cNvPr>
@@ -990,7 +990,7 @@
           <p:cNvPr id="3" name="文本占位符 2">
             <a:extLst>
               <a:ext uri="{FF2B5EF4-FFF2-40B4-BE49-F238E27FC236}">
-                <a16:creationId xmlns:a16="http://schemas.microsoft.com/office/drawing/2014/main" id="{4E42D704-5315-CE4C-A61C-28B0EDA68CC3}"/>
+                <a16:creationId xmlns:a16="http://schemas.microsoft.com/office/drawing/2014/main" id="{19EA2BCE-4B37-E05B-84BA-404564DBAE52}"/>
               </a:ext>
             </a:extLst>
           </p:cNvPr>
@@ -1115,7 +1115,7 @@
           <p:cNvPr id="4" name="日期占位符 3">
             <a:extLst>
               <a:ext uri="{FF2B5EF4-FFF2-40B4-BE49-F238E27FC236}">
-                <a16:creationId xmlns:a16="http://schemas.microsoft.com/office/drawing/2014/main" id="{7C249DF3-40CA-0F3A-5B56-7007C4F9295A}"/>
+                <a16:creationId xmlns:a16="http://schemas.microsoft.com/office/drawing/2014/main" id="{9A616FDD-B9EC-2C9C-A2BB-525377A730A3}"/>
               </a:ext>
             </a:extLst>
           </p:cNvPr>
@@ -1131,7 +1131,7 @@
           <a:bodyPr/>
           <a:lstStyle/>
           <a:p>
-            <a:fld id="{A4A77D94-5386-4CDF-A616-838205A2B9A9}" type="datetimeFigureOut">
+            <a:fld id="{DD931416-4999-44D6-8F0D-5DB3123A0DD2}" type="datetimeFigureOut">
               <a:rPr lang="zh-CN" altLang="en-US" smtClean="0"/>
               <a:t>2024/3/10</a:t>
             </a:fld>
@@ -1144,7 +1144,7 @@
           <p:cNvPr id="5" name="页脚占位符 4">
             <a:extLst>
               <a:ext uri="{FF2B5EF4-FFF2-40B4-BE49-F238E27FC236}">
-                <a16:creationId xmlns:a16="http://schemas.microsoft.com/office/drawing/2014/main" id="{35DFAD77-14B4-CF8B-4788-94289246EE64}"/>
+                <a16:creationId xmlns:a16="http://schemas.microsoft.com/office/drawing/2014/main" id="{1B0099A1-5E98-63DE-8545-304FC1AC7FAA}"/>
               </a:ext>
             </a:extLst>
           </p:cNvPr>
@@ -1169,7 +1169,7 @@
           <p:cNvPr id="6" name="灯片编号占位符 5">
             <a:extLst>
               <a:ext uri="{FF2B5EF4-FFF2-40B4-BE49-F238E27FC236}">
-                <a16:creationId xmlns:a16="http://schemas.microsoft.com/office/drawing/2014/main" id="{D6B34F7F-FEB3-640E-6939-040FB73C8D26}"/>
+                <a16:creationId xmlns:a16="http://schemas.microsoft.com/office/drawing/2014/main" id="{0BDA641A-0785-B274-4BC8-A7E6F26DFED0}"/>
               </a:ext>
             </a:extLst>
           </p:cNvPr>
@@ -1185,7 +1185,7 @@
           <a:bodyPr/>
           <a:lstStyle/>
           <a:p>
-            <a:fld id="{26F258BC-98A6-4A15-ACBE-4E47A13D5DFE}" type="slidenum">
+            <a:fld id="{DADD82BB-3DE9-4C52-A850-D32AEAE54F02}" type="slidenum">
               <a:rPr lang="zh-CN" altLang="en-US" smtClean="0"/>
               <a:t>‹#›</a:t>
             </a:fld>
@@ -1196,7 +1196,7 @@
     </p:spTree>
     <p:extLst>
       <p:ext uri="{BB962C8B-B14F-4D97-AF65-F5344CB8AC3E}">
-        <p14:creationId xmlns:p14="http://schemas.microsoft.com/office/powerpoint/2010/main" val="827472655"/>
+        <p14:creationId xmlns:p14="http://schemas.microsoft.com/office/powerpoint/2010/main" val="2873553067"/>
       </p:ext>
     </p:extLst>
   </p:cSld>
@@ -1228,7 +1228,7 @@
           <p:cNvPr id="2" name="标题 1">
             <a:extLst>
               <a:ext uri="{FF2B5EF4-FFF2-40B4-BE49-F238E27FC236}">
-                <a16:creationId xmlns:a16="http://schemas.microsoft.com/office/drawing/2014/main" id="{6CC4E604-2E4D-A788-5950-A1E5D74B5D03}"/>
+                <a16:creationId xmlns:a16="http://schemas.microsoft.com/office/drawing/2014/main" id="{FFE4D4BC-5197-BB3B-1B6A-E64D26CF803C}"/>
               </a:ext>
             </a:extLst>
           </p:cNvPr>
@@ -1256,7 +1256,7 @@
           <p:cNvPr id="3" name="内容占位符 2">
             <a:extLst>
               <a:ext uri="{FF2B5EF4-FFF2-40B4-BE49-F238E27FC236}">
-                <a16:creationId xmlns:a16="http://schemas.microsoft.com/office/drawing/2014/main" id="{CB9CDF4A-A8A0-E35B-E78D-358C6C4680AB}"/>
+                <a16:creationId xmlns:a16="http://schemas.microsoft.com/office/drawing/2014/main" id="{A808FF48-7E66-6AD4-2C79-54D450350A81}"/>
               </a:ext>
             </a:extLst>
           </p:cNvPr>
@@ -1318,7 +1318,7 @@
           <p:cNvPr id="4" name="内容占位符 3">
             <a:extLst>
               <a:ext uri="{FF2B5EF4-FFF2-40B4-BE49-F238E27FC236}">
-                <a16:creationId xmlns:a16="http://schemas.microsoft.com/office/drawing/2014/main" id="{55D151F6-2F1C-EE21-164A-BAC419870F94}"/>
+                <a16:creationId xmlns:a16="http://schemas.microsoft.com/office/drawing/2014/main" id="{591C1DCB-0D9E-2B3D-1836-0F8545D4B7EB}"/>
               </a:ext>
             </a:extLst>
           </p:cNvPr>
@@ -1380,7 +1380,7 @@
           <p:cNvPr id="5" name="日期占位符 4">
             <a:extLst>
               <a:ext uri="{FF2B5EF4-FFF2-40B4-BE49-F238E27FC236}">
-                <a16:creationId xmlns:a16="http://schemas.microsoft.com/office/drawing/2014/main" id="{EFA8E2EE-FC74-336A-54FA-FC350C49E719}"/>
+                <a16:creationId xmlns:a16="http://schemas.microsoft.com/office/drawing/2014/main" id="{7C12E956-DFAA-068A-2D96-88B1E62BB526}"/>
               </a:ext>
             </a:extLst>
           </p:cNvPr>
@@ -1396,7 +1396,7 @@
           <a:bodyPr/>
           <a:lstStyle/>
           <a:p>
-            <a:fld id="{A4A77D94-5386-4CDF-A616-838205A2B9A9}" type="datetimeFigureOut">
+            <a:fld id="{DD931416-4999-44D6-8F0D-5DB3123A0DD2}" type="datetimeFigureOut">
               <a:rPr lang="zh-CN" altLang="en-US" smtClean="0"/>
               <a:t>2024/3/10</a:t>
             </a:fld>
@@ -1409,7 +1409,7 @@
           <p:cNvPr id="6" name="页脚占位符 5">
             <a:extLst>
               <a:ext uri="{FF2B5EF4-FFF2-40B4-BE49-F238E27FC236}">
-                <a16:creationId xmlns:a16="http://schemas.microsoft.com/office/drawing/2014/main" id="{D739C86A-E2ED-D68F-2624-F684559F35DA}"/>
+                <a16:creationId xmlns:a16="http://schemas.microsoft.com/office/drawing/2014/main" id="{09BA7BC4-7B37-D9C9-683F-8E64C96A9C66}"/>
               </a:ext>
             </a:extLst>
           </p:cNvPr>
@@ -1434,7 +1434,7 @@
           <p:cNvPr id="7" name="灯片编号占位符 6">
             <a:extLst>
               <a:ext uri="{FF2B5EF4-FFF2-40B4-BE49-F238E27FC236}">
-                <a16:creationId xmlns:a16="http://schemas.microsoft.com/office/drawing/2014/main" id="{57B26274-18EA-4B0A-12AB-6E0969446B26}"/>
+                <a16:creationId xmlns:a16="http://schemas.microsoft.com/office/drawing/2014/main" id="{52A5F2BB-B9E3-0DBC-4BA6-3EF4E4E39407}"/>
               </a:ext>
             </a:extLst>
           </p:cNvPr>
@@ -1450,7 +1450,7 @@
           <a:bodyPr/>
           <a:lstStyle/>
           <a:p>
-            <a:fld id="{26F258BC-98A6-4A15-ACBE-4E47A13D5DFE}" type="slidenum">
+            <a:fld id="{DADD82BB-3DE9-4C52-A850-D32AEAE54F02}" type="slidenum">
               <a:rPr lang="zh-CN" altLang="en-US" smtClean="0"/>
               <a:t>‹#›</a:t>
             </a:fld>
@@ -1461,7 +1461,7 @@
     </p:spTree>
     <p:extLst>
       <p:ext uri="{BB962C8B-B14F-4D97-AF65-F5344CB8AC3E}">
-        <p14:creationId xmlns:p14="http://schemas.microsoft.com/office/powerpoint/2010/main" val="2660588937"/>
+        <p14:creationId xmlns:p14="http://schemas.microsoft.com/office/powerpoint/2010/main" val="2012514471"/>
       </p:ext>
     </p:extLst>
   </p:cSld>
@@ -1493,7 +1493,7 @@
           <p:cNvPr id="2" name="标题 1">
             <a:extLst>
               <a:ext uri="{FF2B5EF4-FFF2-40B4-BE49-F238E27FC236}">
-                <a16:creationId xmlns:a16="http://schemas.microsoft.com/office/drawing/2014/main" id="{88754237-384E-101A-BE8F-AD90F2147EA3}"/>
+                <a16:creationId xmlns:a16="http://schemas.microsoft.com/office/drawing/2014/main" id="{E52C6304-878D-F403-C4CF-06FF57106906}"/>
               </a:ext>
             </a:extLst>
           </p:cNvPr>
@@ -1526,7 +1526,7 @@
           <p:cNvPr id="3" name="文本占位符 2">
             <a:extLst>
               <a:ext uri="{FF2B5EF4-FFF2-40B4-BE49-F238E27FC236}">
-                <a16:creationId xmlns:a16="http://schemas.microsoft.com/office/drawing/2014/main" id="{C8E793B3-4584-8A8B-8E6C-2FC489263AF1}"/>
+                <a16:creationId xmlns:a16="http://schemas.microsoft.com/office/drawing/2014/main" id="{D3AE2032-F976-1083-6303-37116631357E}"/>
               </a:ext>
             </a:extLst>
           </p:cNvPr>
@@ -1597,7 +1597,7 @@
           <p:cNvPr id="4" name="内容占位符 3">
             <a:extLst>
               <a:ext uri="{FF2B5EF4-FFF2-40B4-BE49-F238E27FC236}">
-                <a16:creationId xmlns:a16="http://schemas.microsoft.com/office/drawing/2014/main" id="{8428A241-C43E-E12B-CD72-FED0C8E521D3}"/>
+                <a16:creationId xmlns:a16="http://schemas.microsoft.com/office/drawing/2014/main" id="{27951BC9-3E0B-61C9-ABD3-0535C02C5436}"/>
               </a:ext>
             </a:extLst>
           </p:cNvPr>
@@ -1659,7 +1659,7 @@
           <p:cNvPr id="5" name="文本占位符 4">
             <a:extLst>
               <a:ext uri="{FF2B5EF4-FFF2-40B4-BE49-F238E27FC236}">
-                <a16:creationId xmlns:a16="http://schemas.microsoft.com/office/drawing/2014/main" id="{DAF1E453-A143-493B-55AA-A3D80CE1AF9A}"/>
+                <a16:creationId xmlns:a16="http://schemas.microsoft.com/office/drawing/2014/main" id="{3E74BC1B-1395-05B6-41E3-CBA8834AC500}"/>
               </a:ext>
             </a:extLst>
           </p:cNvPr>
@@ -1730,7 +1730,7 @@
           <p:cNvPr id="6" name="内容占位符 5">
             <a:extLst>
               <a:ext uri="{FF2B5EF4-FFF2-40B4-BE49-F238E27FC236}">
-                <a16:creationId xmlns:a16="http://schemas.microsoft.com/office/drawing/2014/main" id="{551BFB71-8098-D8B5-7342-475FA35A8990}"/>
+                <a16:creationId xmlns:a16="http://schemas.microsoft.com/office/drawing/2014/main" id="{D9BFC10A-0785-86E5-7845-2FA3851C0205}"/>
               </a:ext>
             </a:extLst>
           </p:cNvPr>
@@ -1792,7 +1792,7 @@
           <p:cNvPr id="7" name="日期占位符 6">
             <a:extLst>
               <a:ext uri="{FF2B5EF4-FFF2-40B4-BE49-F238E27FC236}">
-                <a16:creationId xmlns:a16="http://schemas.microsoft.com/office/drawing/2014/main" id="{880065C5-10C3-6AA8-787E-ACF832371DF7}"/>
+                <a16:creationId xmlns:a16="http://schemas.microsoft.com/office/drawing/2014/main" id="{05CDCDB2-B80B-1090-47D2-6E894DB7108C}"/>
               </a:ext>
             </a:extLst>
           </p:cNvPr>
@@ -1808,7 +1808,7 @@
           <a:bodyPr/>
           <a:lstStyle/>
           <a:p>
-            <a:fld id="{A4A77D94-5386-4CDF-A616-838205A2B9A9}" type="datetimeFigureOut">
+            <a:fld id="{DD931416-4999-44D6-8F0D-5DB3123A0DD2}" type="datetimeFigureOut">
               <a:rPr lang="zh-CN" altLang="en-US" smtClean="0"/>
               <a:t>2024/3/10</a:t>
             </a:fld>
@@ -1821,7 +1821,7 @@
           <p:cNvPr id="8" name="页脚占位符 7">
             <a:extLst>
               <a:ext uri="{FF2B5EF4-FFF2-40B4-BE49-F238E27FC236}">
-                <a16:creationId xmlns:a16="http://schemas.microsoft.com/office/drawing/2014/main" id="{68103484-FA17-AEED-CEA1-EF6838D19E6A}"/>
+                <a16:creationId xmlns:a16="http://schemas.microsoft.com/office/drawing/2014/main" id="{750A1C2F-773E-AB4E-8025-149E47AAD40E}"/>
               </a:ext>
             </a:extLst>
           </p:cNvPr>
@@ -1846,7 +1846,7 @@
           <p:cNvPr id="9" name="灯片编号占位符 8">
             <a:extLst>
               <a:ext uri="{FF2B5EF4-FFF2-40B4-BE49-F238E27FC236}">
-                <a16:creationId xmlns:a16="http://schemas.microsoft.com/office/drawing/2014/main" id="{7A9DB77C-CF88-8959-1EFE-925B7B38D0ED}"/>
+                <a16:creationId xmlns:a16="http://schemas.microsoft.com/office/drawing/2014/main" id="{FCFF1E8C-B6E2-571B-753B-E4C7BB01035A}"/>
               </a:ext>
             </a:extLst>
           </p:cNvPr>
@@ -1862,7 +1862,7 @@
           <a:bodyPr/>
           <a:lstStyle/>
           <a:p>
-            <a:fld id="{26F258BC-98A6-4A15-ACBE-4E47A13D5DFE}" type="slidenum">
+            <a:fld id="{DADD82BB-3DE9-4C52-A850-D32AEAE54F02}" type="slidenum">
               <a:rPr lang="zh-CN" altLang="en-US" smtClean="0"/>
               <a:t>‹#›</a:t>
             </a:fld>
@@ -1873,7 +1873,7 @@
     </p:spTree>
     <p:extLst>
       <p:ext uri="{BB962C8B-B14F-4D97-AF65-F5344CB8AC3E}">
-        <p14:creationId xmlns:p14="http://schemas.microsoft.com/office/powerpoint/2010/main" val="3036469639"/>
+        <p14:creationId xmlns:p14="http://schemas.microsoft.com/office/powerpoint/2010/main" val="3051168257"/>
       </p:ext>
     </p:extLst>
   </p:cSld>
@@ -1905,7 +1905,7 @@
           <p:cNvPr id="2" name="标题 1">
             <a:extLst>
               <a:ext uri="{FF2B5EF4-FFF2-40B4-BE49-F238E27FC236}">
-                <a16:creationId xmlns:a16="http://schemas.microsoft.com/office/drawing/2014/main" id="{F950C469-9D2D-53C2-64D7-13D4C029A382}"/>
+                <a16:creationId xmlns:a16="http://schemas.microsoft.com/office/drawing/2014/main" id="{34CA2815-15FF-79CA-8A52-1CDB204D1544}"/>
               </a:ext>
             </a:extLst>
           </p:cNvPr>
@@ -1933,7 +1933,7 @@
           <p:cNvPr id="3" name="日期占位符 2">
             <a:extLst>
               <a:ext uri="{FF2B5EF4-FFF2-40B4-BE49-F238E27FC236}">
-                <a16:creationId xmlns:a16="http://schemas.microsoft.com/office/drawing/2014/main" id="{E1222A31-13AE-5815-C02A-4628F0F4CC72}"/>
+                <a16:creationId xmlns:a16="http://schemas.microsoft.com/office/drawing/2014/main" id="{30F6DDE9-98E8-41AB-94F9-5FC511C81477}"/>
               </a:ext>
             </a:extLst>
           </p:cNvPr>
@@ -1949,7 +1949,7 @@
           <a:bodyPr/>
           <a:lstStyle/>
           <a:p>
-            <a:fld id="{A4A77D94-5386-4CDF-A616-838205A2B9A9}" type="datetimeFigureOut">
+            <a:fld id="{DD931416-4999-44D6-8F0D-5DB3123A0DD2}" type="datetimeFigureOut">
               <a:rPr lang="zh-CN" altLang="en-US" smtClean="0"/>
               <a:t>2024/3/10</a:t>
             </a:fld>
@@ -1962,7 +1962,7 @@
           <p:cNvPr id="4" name="页脚占位符 3">
             <a:extLst>
               <a:ext uri="{FF2B5EF4-FFF2-40B4-BE49-F238E27FC236}">
-                <a16:creationId xmlns:a16="http://schemas.microsoft.com/office/drawing/2014/main" id="{674BF551-9A70-A6BC-215C-CDBC1F4B4762}"/>
+                <a16:creationId xmlns:a16="http://schemas.microsoft.com/office/drawing/2014/main" id="{C44D2F29-9F28-28EB-7246-CD3EAAF4B47D}"/>
               </a:ext>
             </a:extLst>
           </p:cNvPr>
@@ -1987,7 +1987,7 @@
           <p:cNvPr id="5" name="灯片编号占位符 4">
             <a:extLst>
               <a:ext uri="{FF2B5EF4-FFF2-40B4-BE49-F238E27FC236}">
-                <a16:creationId xmlns:a16="http://schemas.microsoft.com/office/drawing/2014/main" id="{AA857B99-662F-69AA-B20F-34155701E2DA}"/>
+                <a16:creationId xmlns:a16="http://schemas.microsoft.com/office/drawing/2014/main" id="{915B60D7-5A62-1A76-6EC8-EF2176DDA9FF}"/>
               </a:ext>
             </a:extLst>
           </p:cNvPr>
@@ -2003,7 +2003,7 @@
           <a:bodyPr/>
           <a:lstStyle/>
           <a:p>
-            <a:fld id="{26F258BC-98A6-4A15-ACBE-4E47A13D5DFE}" type="slidenum">
+            <a:fld id="{DADD82BB-3DE9-4C52-A850-D32AEAE54F02}" type="slidenum">
               <a:rPr lang="zh-CN" altLang="en-US" smtClean="0"/>
               <a:t>‹#›</a:t>
             </a:fld>
@@ -2014,7 +2014,7 @@
     </p:spTree>
     <p:extLst>
       <p:ext uri="{BB962C8B-B14F-4D97-AF65-F5344CB8AC3E}">
-        <p14:creationId xmlns:p14="http://schemas.microsoft.com/office/powerpoint/2010/main" val="1696720464"/>
+        <p14:creationId xmlns:p14="http://schemas.microsoft.com/office/powerpoint/2010/main" val="3507808889"/>
       </p:ext>
     </p:extLst>
   </p:cSld>
@@ -2046,7 +2046,7 @@
           <p:cNvPr id="2" name="日期占位符 1">
             <a:extLst>
               <a:ext uri="{FF2B5EF4-FFF2-40B4-BE49-F238E27FC236}">
-                <a16:creationId xmlns:a16="http://schemas.microsoft.com/office/drawing/2014/main" id="{43717BB5-CBCC-79ED-E653-B57449B87E2F}"/>
+                <a16:creationId xmlns:a16="http://schemas.microsoft.com/office/drawing/2014/main" id="{052B9CA6-2C60-3725-EFDC-D40810F8F797}"/>
               </a:ext>
             </a:extLst>
           </p:cNvPr>
@@ -2062,7 +2062,7 @@
           <a:bodyPr/>
           <a:lstStyle/>
           <a:p>
-            <a:fld id="{A4A77D94-5386-4CDF-A616-838205A2B9A9}" type="datetimeFigureOut">
+            <a:fld id="{DD931416-4999-44D6-8F0D-5DB3123A0DD2}" type="datetimeFigureOut">
               <a:rPr lang="zh-CN" altLang="en-US" smtClean="0"/>
               <a:t>2024/3/10</a:t>
             </a:fld>
@@ -2075,7 +2075,7 @@
           <p:cNvPr id="3" name="页脚占位符 2">
             <a:extLst>
               <a:ext uri="{FF2B5EF4-FFF2-40B4-BE49-F238E27FC236}">
-                <a16:creationId xmlns:a16="http://schemas.microsoft.com/office/drawing/2014/main" id="{70FB3A62-C6EE-BABC-3630-9CB0A9DBA04A}"/>
+                <a16:creationId xmlns:a16="http://schemas.microsoft.com/office/drawing/2014/main" id="{3BF0A1E1-969D-75F1-366A-735E2874167A}"/>
               </a:ext>
             </a:extLst>
           </p:cNvPr>
@@ -2100,7 +2100,7 @@
           <p:cNvPr id="4" name="灯片编号占位符 3">
             <a:extLst>
               <a:ext uri="{FF2B5EF4-FFF2-40B4-BE49-F238E27FC236}">
-                <a16:creationId xmlns:a16="http://schemas.microsoft.com/office/drawing/2014/main" id="{8BE0576F-03F3-4BC7-D7C7-6B0B1372A439}"/>
+                <a16:creationId xmlns:a16="http://schemas.microsoft.com/office/drawing/2014/main" id="{0315CE64-F921-286A-F679-BACC89D00014}"/>
               </a:ext>
             </a:extLst>
           </p:cNvPr>
@@ -2116,7 +2116,7 @@
           <a:bodyPr/>
           <a:lstStyle/>
           <a:p>
-            <a:fld id="{26F258BC-98A6-4A15-ACBE-4E47A13D5DFE}" type="slidenum">
+            <a:fld id="{DADD82BB-3DE9-4C52-A850-D32AEAE54F02}" type="slidenum">
               <a:rPr lang="zh-CN" altLang="en-US" smtClean="0"/>
               <a:t>‹#›</a:t>
             </a:fld>
@@ -2127,7 +2127,7 @@
     </p:spTree>
     <p:extLst>
       <p:ext uri="{BB962C8B-B14F-4D97-AF65-F5344CB8AC3E}">
-        <p14:creationId xmlns:p14="http://schemas.microsoft.com/office/powerpoint/2010/main" val="512531648"/>
+        <p14:creationId xmlns:p14="http://schemas.microsoft.com/office/powerpoint/2010/main" val="4006777069"/>
       </p:ext>
     </p:extLst>
   </p:cSld>
@@ -2159,7 +2159,7 @@
           <p:cNvPr id="2" name="标题 1">
             <a:extLst>
               <a:ext uri="{FF2B5EF4-FFF2-40B4-BE49-F238E27FC236}">
-                <a16:creationId xmlns:a16="http://schemas.microsoft.com/office/drawing/2014/main" id="{71CD48D6-DD26-FC7E-3D51-8065ED127C0C}"/>
+                <a16:creationId xmlns:a16="http://schemas.microsoft.com/office/drawing/2014/main" id="{719A16AC-FDA9-9A3C-DBE3-044FC4D381E2}"/>
               </a:ext>
             </a:extLst>
           </p:cNvPr>
@@ -2196,7 +2196,7 @@
           <p:cNvPr id="3" name="内容占位符 2">
             <a:extLst>
               <a:ext uri="{FF2B5EF4-FFF2-40B4-BE49-F238E27FC236}">
-                <a16:creationId xmlns:a16="http://schemas.microsoft.com/office/drawing/2014/main" id="{CA66547A-BBF3-5801-5399-D8ED5AF6BD13}"/>
+                <a16:creationId xmlns:a16="http://schemas.microsoft.com/office/drawing/2014/main" id="{C9F7A888-8C4D-6820-E17C-B75695ADB288}"/>
               </a:ext>
             </a:extLst>
           </p:cNvPr>
@@ -2286,7 +2286,7 @@
           <p:cNvPr id="4" name="文本占位符 3">
             <a:extLst>
               <a:ext uri="{FF2B5EF4-FFF2-40B4-BE49-F238E27FC236}">
-                <a16:creationId xmlns:a16="http://schemas.microsoft.com/office/drawing/2014/main" id="{DF682DF0-BD21-8790-2EF0-D825E6436012}"/>
+                <a16:creationId xmlns:a16="http://schemas.microsoft.com/office/drawing/2014/main" id="{4FB669F7-1561-F384-3D9D-FDC626556B44}"/>
               </a:ext>
             </a:extLst>
           </p:cNvPr>
@@ -2357,7 +2357,7 @@
           <p:cNvPr id="5" name="日期占位符 4">
             <a:extLst>
               <a:ext uri="{FF2B5EF4-FFF2-40B4-BE49-F238E27FC236}">
-                <a16:creationId xmlns:a16="http://schemas.microsoft.com/office/drawing/2014/main" id="{4C143BD7-477E-F0AF-75F3-8C3860C0407E}"/>
+                <a16:creationId xmlns:a16="http://schemas.microsoft.com/office/drawing/2014/main" id="{CA101A25-1231-BEDC-0E46-BEBCD2830F55}"/>
               </a:ext>
             </a:extLst>
           </p:cNvPr>
@@ -2373,7 +2373,7 @@
           <a:bodyPr/>
           <a:lstStyle/>
           <a:p>
-            <a:fld id="{A4A77D94-5386-4CDF-A616-838205A2B9A9}" type="datetimeFigureOut">
+            <a:fld id="{DD931416-4999-44D6-8F0D-5DB3123A0DD2}" type="datetimeFigureOut">
               <a:rPr lang="zh-CN" altLang="en-US" smtClean="0"/>
               <a:t>2024/3/10</a:t>
             </a:fld>
@@ -2386,7 +2386,7 @@
           <p:cNvPr id="6" name="页脚占位符 5">
             <a:extLst>
               <a:ext uri="{FF2B5EF4-FFF2-40B4-BE49-F238E27FC236}">
-                <a16:creationId xmlns:a16="http://schemas.microsoft.com/office/drawing/2014/main" id="{3AA32C43-E261-9F01-1E32-99D1A430022A}"/>
+                <a16:creationId xmlns:a16="http://schemas.microsoft.com/office/drawing/2014/main" id="{0FEEDE95-300A-4941-EE51-D737487AC534}"/>
               </a:ext>
             </a:extLst>
           </p:cNvPr>
@@ -2411,7 +2411,7 @@
           <p:cNvPr id="7" name="灯片编号占位符 6">
             <a:extLst>
               <a:ext uri="{FF2B5EF4-FFF2-40B4-BE49-F238E27FC236}">
-                <a16:creationId xmlns:a16="http://schemas.microsoft.com/office/drawing/2014/main" id="{5CCB8CF9-B871-7068-C323-AFABBBE7E6BF}"/>
+                <a16:creationId xmlns:a16="http://schemas.microsoft.com/office/drawing/2014/main" id="{29C9D8DE-21CC-B893-54A9-2370647C6496}"/>
               </a:ext>
             </a:extLst>
           </p:cNvPr>
@@ -2427,7 +2427,7 @@
           <a:bodyPr/>
           <a:lstStyle/>
           <a:p>
-            <a:fld id="{26F258BC-98A6-4A15-ACBE-4E47A13D5DFE}" type="slidenum">
+            <a:fld id="{DADD82BB-3DE9-4C52-A850-D32AEAE54F02}" type="slidenum">
               <a:rPr lang="zh-CN" altLang="en-US" smtClean="0"/>
               <a:t>‹#›</a:t>
             </a:fld>
@@ -2438,7 +2438,7 @@
     </p:spTree>
     <p:extLst>
       <p:ext uri="{BB962C8B-B14F-4D97-AF65-F5344CB8AC3E}">
-        <p14:creationId xmlns:p14="http://schemas.microsoft.com/office/powerpoint/2010/main" val="325621792"/>
+        <p14:creationId xmlns:p14="http://schemas.microsoft.com/office/powerpoint/2010/main" val="1496189840"/>
       </p:ext>
     </p:extLst>
   </p:cSld>
@@ -2470,7 +2470,7 @@
           <p:cNvPr id="2" name="标题 1">
             <a:extLst>
               <a:ext uri="{FF2B5EF4-FFF2-40B4-BE49-F238E27FC236}">
-                <a16:creationId xmlns:a16="http://schemas.microsoft.com/office/drawing/2014/main" id="{BB7BC589-1485-956D-B5FF-8327D19D341E}"/>
+                <a16:creationId xmlns:a16="http://schemas.microsoft.com/office/drawing/2014/main" id="{189489E6-C878-CDEE-63D2-1FD48EA06B60}"/>
               </a:ext>
             </a:extLst>
           </p:cNvPr>
@@ -2507,7 +2507,7 @@
           <p:cNvPr id="3" name="图片占位符 2">
             <a:extLst>
               <a:ext uri="{FF2B5EF4-FFF2-40B4-BE49-F238E27FC236}">
-                <a16:creationId xmlns:a16="http://schemas.microsoft.com/office/drawing/2014/main" id="{83BE97C3-55E3-BDD9-32F6-4A2874A560F7}"/>
+                <a16:creationId xmlns:a16="http://schemas.microsoft.com/office/drawing/2014/main" id="{7F783641-4B68-99A2-8AE3-008B074860F5}"/>
               </a:ext>
             </a:extLst>
           </p:cNvPr>
@@ -2574,7 +2574,7 @@
           <p:cNvPr id="4" name="文本占位符 3">
             <a:extLst>
               <a:ext uri="{FF2B5EF4-FFF2-40B4-BE49-F238E27FC236}">
-                <a16:creationId xmlns:a16="http://schemas.microsoft.com/office/drawing/2014/main" id="{AB97B293-AAD4-803E-587F-FF0C3749ABC5}"/>
+                <a16:creationId xmlns:a16="http://schemas.microsoft.com/office/drawing/2014/main" id="{23439A4A-16E9-14A4-2382-64AA83733631}"/>
               </a:ext>
             </a:extLst>
           </p:cNvPr>
@@ -2645,7 +2645,7 @@
           <p:cNvPr id="5" name="日期占位符 4">
             <a:extLst>
               <a:ext uri="{FF2B5EF4-FFF2-40B4-BE49-F238E27FC236}">
-                <a16:creationId xmlns:a16="http://schemas.microsoft.com/office/drawing/2014/main" id="{6288C24D-465B-4C51-C37C-6D528A3E9430}"/>
+                <a16:creationId xmlns:a16="http://schemas.microsoft.com/office/drawing/2014/main" id="{D3C22658-5802-1AC5-A186-093D4DA6DCFD}"/>
               </a:ext>
             </a:extLst>
           </p:cNvPr>
@@ -2661,7 +2661,7 @@
           <a:bodyPr/>
           <a:lstStyle/>
           <a:p>
-            <a:fld id="{A4A77D94-5386-4CDF-A616-838205A2B9A9}" type="datetimeFigureOut">
+            <a:fld id="{DD931416-4999-44D6-8F0D-5DB3123A0DD2}" type="datetimeFigureOut">
               <a:rPr lang="zh-CN" altLang="en-US" smtClean="0"/>
               <a:t>2024/3/10</a:t>
             </a:fld>
@@ -2674,7 +2674,7 @@
           <p:cNvPr id="6" name="页脚占位符 5">
             <a:extLst>
               <a:ext uri="{FF2B5EF4-FFF2-40B4-BE49-F238E27FC236}">
-                <a16:creationId xmlns:a16="http://schemas.microsoft.com/office/drawing/2014/main" id="{4B80FC3A-B45C-6220-7BB6-10FC3A3BDEAD}"/>
+                <a16:creationId xmlns:a16="http://schemas.microsoft.com/office/drawing/2014/main" id="{B2C2CCE0-CBD0-5BA3-FE73-E7EDE3E9F0A2}"/>
               </a:ext>
             </a:extLst>
           </p:cNvPr>
@@ -2699,7 +2699,7 @@
           <p:cNvPr id="7" name="灯片编号占位符 6">
             <a:extLst>
               <a:ext uri="{FF2B5EF4-FFF2-40B4-BE49-F238E27FC236}">
-                <a16:creationId xmlns:a16="http://schemas.microsoft.com/office/drawing/2014/main" id="{FC75738C-2842-4472-7026-A64CDFE39808}"/>
+                <a16:creationId xmlns:a16="http://schemas.microsoft.com/office/drawing/2014/main" id="{EB39EE9D-7D94-3D2B-BA81-02EB3944D282}"/>
               </a:ext>
             </a:extLst>
           </p:cNvPr>
@@ -2715,7 +2715,7 @@
           <a:bodyPr/>
           <a:lstStyle/>
           <a:p>
-            <a:fld id="{26F258BC-98A6-4A15-ACBE-4E47A13D5DFE}" type="slidenum">
+            <a:fld id="{DADD82BB-3DE9-4C52-A850-D32AEAE54F02}" type="slidenum">
               <a:rPr lang="zh-CN" altLang="en-US" smtClean="0"/>
               <a:t>‹#›</a:t>
             </a:fld>
@@ -2726,7 +2726,7 @@
     </p:spTree>
     <p:extLst>
       <p:ext uri="{BB962C8B-B14F-4D97-AF65-F5344CB8AC3E}">
-        <p14:creationId xmlns:p14="http://schemas.microsoft.com/office/powerpoint/2010/main" val="1647710783"/>
+        <p14:creationId xmlns:p14="http://schemas.microsoft.com/office/powerpoint/2010/main" val="829540209"/>
       </p:ext>
     </p:extLst>
   </p:cSld>
@@ -2763,7 +2763,7 @@
           <p:cNvPr id="2" name="标题占位符 1">
             <a:extLst>
               <a:ext uri="{FF2B5EF4-FFF2-40B4-BE49-F238E27FC236}">
-                <a16:creationId xmlns:a16="http://schemas.microsoft.com/office/drawing/2014/main" id="{938BBE11-48C9-9DAB-3F21-D0AA0E1F681D}"/>
+                <a16:creationId xmlns:a16="http://schemas.microsoft.com/office/drawing/2014/main" id="{95A8F885-9CF0-B8FA-4E63-97CF0084F9CC}"/>
               </a:ext>
             </a:extLst>
           </p:cNvPr>
@@ -2801,7 +2801,7 @@
           <p:cNvPr id="3" name="文本占位符 2">
             <a:extLst>
               <a:ext uri="{FF2B5EF4-FFF2-40B4-BE49-F238E27FC236}">
-                <a16:creationId xmlns:a16="http://schemas.microsoft.com/office/drawing/2014/main" id="{78B4C26F-26BD-407D-5A8B-9687F822531F}"/>
+                <a16:creationId xmlns:a16="http://schemas.microsoft.com/office/drawing/2014/main" id="{4568F4A9-669C-598E-9107-7C6F92782EE5}"/>
               </a:ext>
             </a:extLst>
           </p:cNvPr>
@@ -2868,7 +2868,7 @@
           <p:cNvPr id="4" name="日期占位符 3">
             <a:extLst>
               <a:ext uri="{FF2B5EF4-FFF2-40B4-BE49-F238E27FC236}">
-                <a16:creationId xmlns:a16="http://schemas.microsoft.com/office/drawing/2014/main" id="{90E8E7DE-0DC9-5267-C846-A85470C7758C}"/>
+                <a16:creationId xmlns:a16="http://schemas.microsoft.com/office/drawing/2014/main" id="{4BBAD6A2-DF75-CC0E-7A6C-AE74279A14D8}"/>
               </a:ext>
             </a:extLst>
           </p:cNvPr>
@@ -2902,7 +2902,7 @@
             </a:lvl1pPr>
           </a:lstStyle>
           <a:p>
-            <a:fld id="{A4A77D94-5386-4CDF-A616-838205A2B9A9}" type="datetimeFigureOut">
+            <a:fld id="{DD931416-4999-44D6-8F0D-5DB3123A0DD2}" type="datetimeFigureOut">
               <a:rPr lang="zh-CN" altLang="en-US" smtClean="0"/>
               <a:t>2024/3/10</a:t>
             </a:fld>
@@ -2915,7 +2915,7 @@
           <p:cNvPr id="5" name="页脚占位符 4">
             <a:extLst>
               <a:ext uri="{FF2B5EF4-FFF2-40B4-BE49-F238E27FC236}">
-                <a16:creationId xmlns:a16="http://schemas.microsoft.com/office/drawing/2014/main" id="{606282A2-86D5-C794-91D1-BB50F11C4E8F}"/>
+                <a16:creationId xmlns:a16="http://schemas.microsoft.com/office/drawing/2014/main" id="{B40A5A25-BE6D-B0A2-48D5-DE11182654D4}"/>
               </a:ext>
             </a:extLst>
           </p:cNvPr>
@@ -2958,7 +2958,7 @@
           <p:cNvPr id="6" name="灯片编号占位符 5">
             <a:extLst>
               <a:ext uri="{FF2B5EF4-FFF2-40B4-BE49-F238E27FC236}">
-                <a16:creationId xmlns:a16="http://schemas.microsoft.com/office/drawing/2014/main" id="{19A87A0C-53A3-F218-B4B5-B4CCD495FEE9}"/>
+                <a16:creationId xmlns:a16="http://schemas.microsoft.com/office/drawing/2014/main" id="{BBDBAF24-45D4-9C1F-7D82-066255B5C568}"/>
               </a:ext>
             </a:extLst>
           </p:cNvPr>
@@ -2992,7 +2992,7 @@
             </a:lvl1pPr>
           </a:lstStyle>
           <a:p>
-            <a:fld id="{26F258BC-98A6-4A15-ACBE-4E47A13D5DFE}" type="slidenum">
+            <a:fld id="{DADD82BB-3DE9-4C52-A850-D32AEAE54F02}" type="slidenum">
               <a:rPr lang="zh-CN" altLang="en-US" smtClean="0"/>
               <a:t>‹#›</a:t>
             </a:fld>
@@ -3003,7 +3003,7 @@
     </p:spTree>
     <p:extLst>
       <p:ext uri="{BB962C8B-B14F-4D97-AF65-F5344CB8AC3E}">
-        <p14:creationId xmlns:p14="http://schemas.microsoft.com/office/powerpoint/2010/main" val="2745149987"/>
+        <p14:creationId xmlns:p14="http://schemas.microsoft.com/office/powerpoint/2010/main" val="2209796740"/>
       </p:ext>
     </p:extLst>
   </p:cSld>
